--- a/대회 공지.pptx
+++ b/대회 공지.pptx
@@ -5,26 +5,28 @@
     <p:sldMasterId id="2147483656" r:id="rId1"/>
   </p:sldMasterIdLst>
   <p:notesMasterIdLst>
-    <p:notesMasterId r:id="rId3"/>
+    <p:notesMasterId r:id="rId5"/>
   </p:notesMasterIdLst>
   <p:sldIdLst>
     <p:sldId id="258" r:id="rId2"/>
+    <p:sldId id="259" r:id="rId3"/>
+    <p:sldId id="260" r:id="rId4"/>
   </p:sldIdLst>
   <p:sldSz cx="12192000" cy="6858000"/>
   <p:notesSz cx="6858000" cy="9144000"/>
   <p:embeddedFontLst>
     <p:embeddedFont>
       <p:font typeface="나눔스퀘어 Bold" panose="020B0600000101010101" pitchFamily="50" charset="-127"/>
-      <p:bold r:id="rId4"/>
+      <p:bold r:id="rId6"/>
     </p:embeddedFont>
     <p:embeddedFont>
       <p:font typeface="나눔스퀘어 ExtraBold" panose="020B0600000101010101" pitchFamily="50" charset="-127"/>
-      <p:bold r:id="rId5"/>
+      <p:bold r:id="rId7"/>
     </p:embeddedFont>
     <p:embeddedFont>
       <p:font typeface="맑은 고딕" panose="020B0503020000020004" pitchFamily="50" charset="-127"/>
-      <p:regular r:id="rId6"/>
-      <p:bold r:id="rId7"/>
+      <p:regular r:id="rId8"/>
+      <p:bold r:id="rId9"/>
     </p:embeddedFont>
   </p:embeddedFontLst>
   <p:defaultTextStyle>
@@ -1272,7 +1274,7 @@
         <p:spPr>
           <a:xfrm>
             <a:off x="515102" y="1395657"/>
-            <a:ext cx="10950924" cy="5262979"/>
+            <a:ext cx="10950924" cy="4893647"/>
           </a:xfrm>
           <a:prstGeom prst="rect">
             <a:avLst/>
@@ -1455,7 +1457,7 @@
                 <a:latin typeface="나눔스퀘어 Bold" panose="020B0600000101010101" pitchFamily="50" charset="-127"/>
                 <a:ea typeface="나눔스퀘어 Bold" panose="020B0600000101010101" pitchFamily="50" charset="-127"/>
               </a:rPr>
-              <a:t>프로젝트를 새로 만들거나</a:t>
+              <a:t>기본적으로는 업로드 된 프로젝트 폴더에서 작업하되</a:t>
             </a:r>
             <a:r>
               <a:rPr lang="en-US" altLang="ko-KR" sz="2400" spc="-150" dirty="0">
@@ -1475,17 +1477,17 @@
                 <a:latin typeface="나눔스퀘어 Bold" panose="020B0600000101010101" pitchFamily="50" charset="-127"/>
                 <a:ea typeface="나눔스퀘어 Bold" panose="020B0600000101010101" pitchFamily="50" charset="-127"/>
               </a:rPr>
-              <a:t>다른 기존의 프로젝트를 사용하는 것은 불가능하며  </a:t>
-            </a:r>
-            <a:r>
-              <a:rPr lang="en-US" altLang="ko-KR" sz="2400" spc="-150" dirty="0" err="1">
-                <a:solidFill>
-                  <a:srgbClr val="8DBABD"/>
-                </a:solidFill>
-                <a:latin typeface="나눔스퀘어 Bold" panose="020B0600000101010101" pitchFamily="50" charset="-127"/>
-                <a:ea typeface="나눔스퀘어 Bold" panose="020B0600000101010101" pitchFamily="50" charset="-127"/>
-              </a:rPr>
-              <a:t>PracticeUnityProject</a:t>
+              <a:t>새로운 </a:t>
+            </a:r>
+            <a:r>
+              <a:rPr lang="ko-KR" altLang="en-US" sz="2400" spc="-150" dirty="0" err="1">
+                <a:solidFill>
+                  <a:srgbClr val="8DBABD"/>
+                </a:solidFill>
+                <a:latin typeface="나눔스퀘어 Bold" panose="020B0600000101010101" pitchFamily="50" charset="-127"/>
+                <a:ea typeface="나눔스퀘어 Bold" panose="020B0600000101010101" pitchFamily="50" charset="-127"/>
+              </a:rPr>
+              <a:t>에셋을</a:t>
             </a:r>
             <a:r>
               <a:rPr lang="ko-KR" altLang="en-US" sz="2400" spc="-150" dirty="0">
@@ -1495,7 +1497,7 @@
                 <a:latin typeface="나눔스퀘어 Bold" panose="020B0600000101010101" pitchFamily="50" charset="-127"/>
                 <a:ea typeface="나눔스퀘어 Bold" panose="020B0600000101010101" pitchFamily="50" charset="-127"/>
               </a:rPr>
-              <a:t>를 수정하는 경우에는 어떠한 방법도 사용이 가능합니다</a:t>
+              <a:t> 사용하거나 게임의 장르를 바꾸는 등 수정은 자유롭게 하실 수 있습니다</a:t>
             </a:r>
             <a:r>
               <a:rPr lang="en-US" altLang="ko-KR" sz="2400" spc="-150" dirty="0">
@@ -1507,9 +1509,7 @@
               </a:rPr>
               <a:t>.</a:t>
             </a:r>
-          </a:p>
-          <a:p>
-            <a:r>
+            <a:br>
               <a:rPr lang="en-US" altLang="ko-KR" sz="2400" spc="-150" dirty="0">
                 <a:solidFill>
                   <a:srgbClr val="8DBABD"/>
@@ -1517,8 +1517,20 @@
                 <a:latin typeface="나눔스퀘어 Bold" panose="020B0600000101010101" pitchFamily="50" charset="-127"/>
                 <a:ea typeface="나눔스퀘어 Bold" panose="020B0600000101010101" pitchFamily="50" charset="-127"/>
               </a:rPr>
-              <a:t>      (ex: </a:t>
-            </a:r>
+            </a:br>
+            <a:endParaRPr lang="en-US" altLang="ko-KR" sz="2400" spc="-150" dirty="0">
+              <a:solidFill>
+                <a:srgbClr val="8DBABD"/>
+              </a:solidFill>
+              <a:latin typeface="나눔스퀘어 Bold" panose="020B0600000101010101" pitchFamily="50" charset="-127"/>
+              <a:ea typeface="나눔스퀘어 Bold" panose="020B0600000101010101" pitchFamily="50" charset="-127"/>
+            </a:endParaRPr>
+          </a:p>
+          <a:p>
+            <a:pPr marL="342900" indent="-342900">
+              <a:buFont typeface="Arial" panose="020B0604020202020204" pitchFamily="34" charset="0"/>
+              <a:buChar char="•"/>
+            </a:pPr>
             <a:r>
               <a:rPr lang="ko-KR" altLang="en-US" sz="2400" spc="-150" dirty="0">
                 <a:solidFill>
@@ -1527,17 +1539,17 @@
                 <a:latin typeface="나눔스퀘어 Bold" panose="020B0600000101010101" pitchFamily="50" charset="-127"/>
                 <a:ea typeface="나눔스퀘어 Bold" panose="020B0600000101010101" pitchFamily="50" charset="-127"/>
               </a:rPr>
-              <a:t>새로운 </a:t>
-            </a:r>
-            <a:r>
-              <a:rPr lang="ko-KR" altLang="en-US" sz="2400" spc="-150" dirty="0" err="1">
-                <a:solidFill>
-                  <a:srgbClr val="8DBABD"/>
-                </a:solidFill>
-                <a:latin typeface="나눔스퀘어 Bold" panose="020B0600000101010101" pitchFamily="50" charset="-127"/>
-                <a:ea typeface="나눔스퀘어 Bold" panose="020B0600000101010101" pitchFamily="50" charset="-127"/>
-              </a:rPr>
-              <a:t>에셋</a:t>
+              <a:t>제출 기한은 </a:t>
+            </a:r>
+            <a:r>
+              <a:rPr lang="en-US" altLang="ko-KR" sz="2400" spc="-150" dirty="0">
+                <a:solidFill>
+                  <a:srgbClr val="8DBABD"/>
+                </a:solidFill>
+                <a:latin typeface="나눔스퀘어 Bold" panose="020B0600000101010101" pitchFamily="50" charset="-127"/>
+                <a:ea typeface="나눔스퀘어 Bold" panose="020B0600000101010101" pitchFamily="50" charset="-127"/>
+              </a:rPr>
+              <a:t>8</a:t>
             </a:r>
             <a:r>
               <a:rPr lang="ko-KR" altLang="en-US" sz="2400" spc="-150" dirty="0">
@@ -1547,7 +1559,7 @@
                 <a:latin typeface="나눔스퀘어 Bold" panose="020B0600000101010101" pitchFamily="50" charset="-127"/>
                 <a:ea typeface="나눔스퀘어 Bold" panose="020B0600000101010101" pitchFamily="50" charset="-127"/>
               </a:rPr>
-              <a:t> 파일</a:t>
+              <a:t>월 </a:t>
             </a:r>
             <a:r>
               <a:rPr lang="en-US" altLang="ko-KR" sz="2400" spc="-150" dirty="0">
@@ -1557,7 +1569,7 @@
                 <a:latin typeface="나눔스퀘어 Bold" panose="020B0600000101010101" pitchFamily="50" charset="-127"/>
                 <a:ea typeface="나눔스퀘어 Bold" panose="020B0600000101010101" pitchFamily="50" charset="-127"/>
               </a:rPr>
-              <a:t>,</a:t>
+              <a:t>30</a:t>
             </a:r>
             <a:r>
               <a:rPr lang="ko-KR" altLang="en-US" sz="2400" spc="-150" dirty="0">
@@ -1567,7 +1579,7 @@
                 <a:latin typeface="나눔스퀘어 Bold" panose="020B0600000101010101" pitchFamily="50" charset="-127"/>
                 <a:ea typeface="나눔스퀘어 Bold" panose="020B0600000101010101" pitchFamily="50" charset="-127"/>
               </a:rPr>
-              <a:t> 코드 작성</a:t>
+              <a:t>일 오후 </a:t>
             </a:r>
             <a:r>
               <a:rPr lang="en-US" altLang="ko-KR" sz="2400" spc="-150" dirty="0">
@@ -1577,7 +1589,7 @@
                 <a:latin typeface="나눔스퀘어 Bold" panose="020B0600000101010101" pitchFamily="50" charset="-127"/>
                 <a:ea typeface="나눔스퀘어 Bold" panose="020B0600000101010101" pitchFamily="50" charset="-127"/>
               </a:rPr>
-              <a:t>,  </a:t>
+              <a:t>11</a:t>
             </a:r>
             <a:r>
               <a:rPr lang="ko-KR" altLang="en-US" sz="2400" spc="-150" dirty="0">
@@ -1587,17 +1599,7 @@
                 <a:latin typeface="나눔스퀘어 Bold" panose="020B0600000101010101" pitchFamily="50" charset="-127"/>
                 <a:ea typeface="나눔스퀘어 Bold" panose="020B0600000101010101" pitchFamily="50" charset="-127"/>
               </a:rPr>
-              <a:t>기존 </a:t>
-            </a:r>
-            <a:r>
-              <a:rPr lang="ko-KR" altLang="en-US" sz="2400" spc="-150" dirty="0" err="1">
-                <a:solidFill>
-                  <a:srgbClr val="8DBABD"/>
-                </a:solidFill>
-                <a:latin typeface="나눔스퀘어 Bold" panose="020B0600000101010101" pitchFamily="50" charset="-127"/>
-                <a:ea typeface="나눔스퀘어 Bold" panose="020B0600000101010101" pitchFamily="50" charset="-127"/>
-              </a:rPr>
-              <a:t>에셋</a:t>
+              <a:t>시 </a:t>
             </a:r>
             <a:r>
               <a:rPr lang="en-US" altLang="ko-KR" sz="2400" spc="-150" dirty="0">
@@ -1607,9 +1609,60 @@
                 <a:latin typeface="나눔스퀘어 Bold" panose="020B0600000101010101" pitchFamily="50" charset="-127"/>
                 <a:ea typeface="나눔스퀘어 Bold" panose="020B0600000101010101" pitchFamily="50" charset="-127"/>
               </a:rPr>
+              <a:t>59</a:t>
+            </a:r>
+            <a:r>
+              <a:rPr lang="ko-KR" altLang="en-US" sz="2400" spc="-150" dirty="0">
+                <a:solidFill>
+                  <a:srgbClr val="8DBABD"/>
+                </a:solidFill>
+                <a:latin typeface="나눔스퀘어 Bold" panose="020B0600000101010101" pitchFamily="50" charset="-127"/>
+                <a:ea typeface="나눔스퀘어 Bold" panose="020B0600000101010101" pitchFamily="50" charset="-127"/>
+              </a:rPr>
+              <a:t>분 </a:t>
+            </a:r>
+            <a:r>
+              <a:rPr lang="en-US" altLang="ko-KR" sz="2400" spc="-150" dirty="0">
+                <a:solidFill>
+                  <a:srgbClr val="8DBABD"/>
+                </a:solidFill>
+                <a:latin typeface="나눔스퀘어 Bold" panose="020B0600000101010101" pitchFamily="50" charset="-127"/>
+                <a:ea typeface="나눔스퀘어 Bold" panose="020B0600000101010101" pitchFamily="50" charset="-127"/>
+              </a:rPr>
+              <a:t>59</a:t>
+            </a:r>
+            <a:r>
+              <a:rPr lang="ko-KR" altLang="en-US" sz="2400" spc="-150" dirty="0">
+                <a:solidFill>
+                  <a:srgbClr val="8DBABD"/>
+                </a:solidFill>
+                <a:latin typeface="나눔스퀘어 Bold" panose="020B0600000101010101" pitchFamily="50" charset="-127"/>
+                <a:ea typeface="나눔스퀘어 Bold" panose="020B0600000101010101" pitchFamily="50" charset="-127"/>
+              </a:rPr>
+              <a:t>초 까지 이며</a:t>
+            </a:r>
+            <a:r>
+              <a:rPr lang="en-US" altLang="ko-KR" sz="2400" spc="-150" dirty="0">
+                <a:solidFill>
+                  <a:srgbClr val="8DBABD"/>
+                </a:solidFill>
+                <a:latin typeface="나눔스퀘어 Bold" panose="020B0600000101010101" pitchFamily="50" charset="-127"/>
+                <a:ea typeface="나눔스퀘어 Bold" panose="020B0600000101010101" pitchFamily="50" charset="-127"/>
+              </a:rPr>
               <a:t>, </a:t>
             </a:r>
             <a:r>
+              <a:rPr lang="en-US" altLang="ko-KR" sz="2400" spc="-150" dirty="0">
+                <a:solidFill>
+                  <a:srgbClr val="8DBABD"/>
+                </a:solidFill>
+                <a:latin typeface="나눔스퀘어 Bold" panose="020B0600000101010101" pitchFamily="50" charset="-127"/>
+                <a:ea typeface="나눔스퀘어 Bold" panose="020B0600000101010101" pitchFamily="50" charset="-127"/>
+                <a:hlinkClick r:id="rId2"/>
+              </a:rPr>
+              <a:t>www0131@korea.ac.kr</a:t>
+            </a:r>
+            <a:r>
               <a:rPr lang="ko-KR" altLang="en-US" sz="2400" spc="-150" dirty="0">
                 <a:solidFill>
                   <a:srgbClr val="8DBABD"/>
@@ -1617,7 +1670,7 @@
                 <a:latin typeface="나눔스퀘어 Bold" panose="020B0600000101010101" pitchFamily="50" charset="-127"/>
                 <a:ea typeface="나눔스퀘어 Bold" panose="020B0600000101010101" pitchFamily="50" charset="-127"/>
               </a:rPr>
-              <a:t>코드 변경</a:t>
+              <a:t>로 빌드한 파일과 보고서를 압축하여 제출 해주시면 됩니다</a:t>
             </a:r>
             <a:r>
               <a:rPr lang="en-US" altLang="ko-KR" sz="2400" spc="-150" dirty="0">
@@ -1627,27 +1680,7 @@
                 <a:latin typeface="나눔스퀘어 Bold" panose="020B0600000101010101" pitchFamily="50" charset="-127"/>
                 <a:ea typeface="나눔스퀘어 Bold" panose="020B0600000101010101" pitchFamily="50" charset="-127"/>
               </a:rPr>
-              <a:t>, </a:t>
-            </a:r>
-            <a:r>
-              <a:rPr lang="ko-KR" altLang="en-US" sz="2400" spc="-150" dirty="0">
-                <a:solidFill>
-                  <a:srgbClr val="8DBABD"/>
-                </a:solidFill>
-                <a:latin typeface="나눔스퀘어 Bold" panose="020B0600000101010101" pitchFamily="50" charset="-127"/>
-                <a:ea typeface="나눔스퀘어 Bold" panose="020B0600000101010101" pitchFamily="50" charset="-127"/>
-              </a:rPr>
-              <a:t>장르 변경 등</a:t>
-            </a:r>
-            <a:r>
-              <a:rPr lang="en-US" altLang="ko-KR" sz="2400" spc="-150" dirty="0">
-                <a:solidFill>
-                  <a:srgbClr val="8DBABD"/>
-                </a:solidFill>
-                <a:latin typeface="나눔스퀘어 Bold" panose="020B0600000101010101" pitchFamily="50" charset="-127"/>
-                <a:ea typeface="나눔스퀘어 Bold" panose="020B0600000101010101" pitchFamily="50" charset="-127"/>
-              </a:rPr>
-              <a:t>)</a:t>
+              <a:t>.</a:t>
             </a:r>
           </a:p>
           <a:p>
@@ -1676,7 +1709,7 @@
                 <a:latin typeface="나눔스퀘어 Bold" panose="020B0600000101010101" pitchFamily="50" charset="-127"/>
                 <a:ea typeface="나눔스퀘어 Bold" panose="020B0600000101010101" pitchFamily="50" charset="-127"/>
               </a:rPr>
-              <a:t>제출 기한은 </a:t>
+              <a:t>제출 시 빌드 파일만이 아니라 프로젝트 폴더를 통째로 보내면 탈락 처리되므로 유의해주시길 바랍니다</a:t>
             </a:r>
             <a:r>
               <a:rPr lang="en-US" altLang="ko-KR" sz="2400" spc="-150" dirty="0">
@@ -1686,145 +1719,10 @@
                 <a:latin typeface="나눔스퀘어 Bold" panose="020B0600000101010101" pitchFamily="50" charset="-127"/>
                 <a:ea typeface="나눔스퀘어 Bold" panose="020B0600000101010101" pitchFamily="50" charset="-127"/>
               </a:rPr>
-              <a:t>8</a:t>
-            </a:r>
-            <a:r>
-              <a:rPr lang="ko-KR" altLang="en-US" sz="2400" spc="-150" dirty="0">
-                <a:solidFill>
-                  <a:srgbClr val="8DBABD"/>
-                </a:solidFill>
-                <a:latin typeface="나눔스퀘어 Bold" panose="020B0600000101010101" pitchFamily="50" charset="-127"/>
-                <a:ea typeface="나눔스퀘어 Bold" panose="020B0600000101010101" pitchFamily="50" charset="-127"/>
-              </a:rPr>
-              <a:t>월 </a:t>
-            </a:r>
-            <a:r>
-              <a:rPr lang="en-US" altLang="ko-KR" sz="2400" spc="-150" dirty="0">
-                <a:solidFill>
-                  <a:srgbClr val="8DBABD"/>
-                </a:solidFill>
-                <a:latin typeface="나눔스퀘어 Bold" panose="020B0600000101010101" pitchFamily="50" charset="-127"/>
-                <a:ea typeface="나눔스퀘어 Bold" panose="020B0600000101010101" pitchFamily="50" charset="-127"/>
-              </a:rPr>
-              <a:t>30</a:t>
-            </a:r>
-            <a:r>
-              <a:rPr lang="ko-KR" altLang="en-US" sz="2400" spc="-150" dirty="0">
-                <a:solidFill>
-                  <a:srgbClr val="8DBABD"/>
-                </a:solidFill>
-                <a:latin typeface="나눔스퀘어 Bold" panose="020B0600000101010101" pitchFamily="50" charset="-127"/>
-                <a:ea typeface="나눔스퀘어 Bold" panose="020B0600000101010101" pitchFamily="50" charset="-127"/>
-              </a:rPr>
-              <a:t>일 오후 </a:t>
-            </a:r>
-            <a:r>
-              <a:rPr lang="en-US" altLang="ko-KR" sz="2400" spc="-150" dirty="0">
-                <a:solidFill>
-                  <a:srgbClr val="8DBABD"/>
-                </a:solidFill>
-                <a:latin typeface="나눔스퀘어 Bold" panose="020B0600000101010101" pitchFamily="50" charset="-127"/>
-                <a:ea typeface="나눔스퀘어 Bold" panose="020B0600000101010101" pitchFamily="50" charset="-127"/>
-              </a:rPr>
-              <a:t>11</a:t>
-            </a:r>
-            <a:r>
-              <a:rPr lang="ko-KR" altLang="en-US" sz="2400" spc="-150" dirty="0">
-                <a:solidFill>
-                  <a:srgbClr val="8DBABD"/>
-                </a:solidFill>
-                <a:latin typeface="나눔스퀘어 Bold" panose="020B0600000101010101" pitchFamily="50" charset="-127"/>
-                <a:ea typeface="나눔스퀘어 Bold" panose="020B0600000101010101" pitchFamily="50" charset="-127"/>
-              </a:rPr>
-              <a:t>시 </a:t>
-            </a:r>
-            <a:r>
-              <a:rPr lang="en-US" altLang="ko-KR" sz="2400" spc="-150" dirty="0">
-                <a:solidFill>
-                  <a:srgbClr val="8DBABD"/>
-                </a:solidFill>
-                <a:latin typeface="나눔스퀘어 Bold" panose="020B0600000101010101" pitchFamily="50" charset="-127"/>
-                <a:ea typeface="나눔스퀘어 Bold" panose="020B0600000101010101" pitchFamily="50" charset="-127"/>
-              </a:rPr>
-              <a:t>59</a:t>
-            </a:r>
-            <a:r>
-              <a:rPr lang="ko-KR" altLang="en-US" sz="2400" spc="-150" dirty="0">
-                <a:solidFill>
-                  <a:srgbClr val="8DBABD"/>
-                </a:solidFill>
-                <a:latin typeface="나눔스퀘어 Bold" panose="020B0600000101010101" pitchFamily="50" charset="-127"/>
-                <a:ea typeface="나눔스퀘어 Bold" panose="020B0600000101010101" pitchFamily="50" charset="-127"/>
-              </a:rPr>
-              <a:t>분 </a:t>
-            </a:r>
-            <a:r>
-              <a:rPr lang="en-US" altLang="ko-KR" sz="2400" spc="-150" dirty="0">
-                <a:solidFill>
-                  <a:srgbClr val="8DBABD"/>
-                </a:solidFill>
-                <a:latin typeface="나눔스퀘어 Bold" panose="020B0600000101010101" pitchFamily="50" charset="-127"/>
-                <a:ea typeface="나눔스퀘어 Bold" panose="020B0600000101010101" pitchFamily="50" charset="-127"/>
-              </a:rPr>
-              <a:t>59</a:t>
-            </a:r>
-            <a:r>
-              <a:rPr lang="ko-KR" altLang="en-US" sz="2400" spc="-150" dirty="0">
-                <a:solidFill>
-                  <a:srgbClr val="8DBABD"/>
-                </a:solidFill>
-                <a:latin typeface="나눔스퀘어 Bold" panose="020B0600000101010101" pitchFamily="50" charset="-127"/>
-                <a:ea typeface="나눔스퀘어 Bold" panose="020B0600000101010101" pitchFamily="50" charset="-127"/>
-              </a:rPr>
-              <a:t>초 까지 이며</a:t>
-            </a:r>
-            <a:r>
-              <a:rPr lang="en-US" altLang="ko-KR" sz="2400" spc="-150" dirty="0">
-                <a:solidFill>
-                  <a:srgbClr val="8DBABD"/>
-                </a:solidFill>
-                <a:latin typeface="나눔스퀘어 Bold" panose="020B0600000101010101" pitchFamily="50" charset="-127"/>
-                <a:ea typeface="나눔스퀘어 Bold" panose="020B0600000101010101" pitchFamily="50" charset="-127"/>
-              </a:rPr>
-              <a:t>, </a:t>
-            </a:r>
-            <a:r>
-              <a:rPr lang="en-US" altLang="ko-KR" sz="2400" spc="-150" dirty="0">
-                <a:solidFill>
-                  <a:srgbClr val="8DBABD"/>
-                </a:solidFill>
-                <a:latin typeface="나눔스퀘어 Bold" panose="020B0600000101010101" pitchFamily="50" charset="-127"/>
-                <a:ea typeface="나눔스퀘어 Bold" panose="020B0600000101010101" pitchFamily="50" charset="-127"/>
-                <a:hlinkClick r:id="rId2"/>
-              </a:rPr>
-              <a:t>www0131@korea.ac.kr</a:t>
-            </a:r>
-            <a:r>
-              <a:rPr lang="ko-KR" altLang="en-US" sz="2400" spc="-150" dirty="0">
-                <a:solidFill>
-                  <a:srgbClr val="8DBABD"/>
-                </a:solidFill>
-                <a:latin typeface="나눔스퀘어 Bold" panose="020B0600000101010101" pitchFamily="50" charset="-127"/>
-                <a:ea typeface="나눔스퀘어 Bold" panose="020B0600000101010101" pitchFamily="50" charset="-127"/>
-              </a:rPr>
-              <a:t>로 제출 해주시면 됩니다</a:t>
-            </a:r>
-            <a:r>
-              <a:rPr lang="en-US" altLang="ko-KR" sz="2400" spc="-150" dirty="0">
-                <a:solidFill>
-                  <a:srgbClr val="8DBABD"/>
-                </a:solidFill>
-                <a:latin typeface="나눔스퀘어 Bold" panose="020B0600000101010101" pitchFamily="50" charset="-127"/>
-                <a:ea typeface="나눔스퀘어 Bold" panose="020B0600000101010101" pitchFamily="50" charset="-127"/>
-              </a:rPr>
               <a:t>.</a:t>
             </a:r>
           </a:p>
           <a:p>
-            <a:pPr marL="342900" indent="-342900">
-              <a:buFont typeface="Arial" panose="020B0604020202020204" pitchFamily="34" charset="0"/>
-              <a:buChar char="•"/>
-            </a:pPr>
             <a:endParaRPr lang="en-US" altLang="ko-KR" sz="2400" spc="-150" dirty="0">
               <a:solidFill>
                 <a:srgbClr val="8DBABD"/>
@@ -1846,7 +1744,7 @@
                 <a:latin typeface="나눔스퀘어 Bold" panose="020B0600000101010101" pitchFamily="50" charset="-127"/>
                 <a:ea typeface="나눔스퀘어 Bold" panose="020B0600000101010101" pitchFamily="50" charset="-127"/>
               </a:rPr>
-              <a:t>제출 시에는 반드시 </a:t>
+              <a:t>심사 기준은 재미</a:t>
             </a:r>
             <a:r>
               <a:rPr lang="en-US" altLang="ko-KR" sz="2400" spc="-150" dirty="0">
@@ -1856,7 +1754,7 @@
                 <a:latin typeface="나눔스퀘어 Bold" panose="020B0600000101010101" pitchFamily="50" charset="-127"/>
                 <a:ea typeface="나눔스퀘어 Bold" panose="020B0600000101010101" pitchFamily="50" charset="-127"/>
               </a:rPr>
-              <a:t>PC </a:t>
+              <a:t>, </a:t>
             </a:r>
             <a:r>
               <a:rPr lang="ko-KR" altLang="en-US" sz="2400" spc="-150" dirty="0">
@@ -1866,7 +1764,7 @@
                 <a:latin typeface="나눔스퀘어 Bold" panose="020B0600000101010101" pitchFamily="50" charset="-127"/>
                 <a:ea typeface="나눔스퀘어 Bold" panose="020B0600000101010101" pitchFamily="50" charset="-127"/>
               </a:rPr>
-              <a:t>플랫폼으로 </a:t>
+              <a:t>창의성</a:t>
             </a:r>
             <a:r>
               <a:rPr lang="en-US" altLang="ko-KR" sz="2400" spc="-150" dirty="0">
@@ -1876,7 +1774,7 @@
                 <a:latin typeface="나눔스퀘어 Bold" panose="020B0600000101010101" pitchFamily="50" charset="-127"/>
                 <a:ea typeface="나눔스퀘어 Bold" panose="020B0600000101010101" pitchFamily="50" charset="-127"/>
               </a:rPr>
-              <a:t>“</a:t>
+              <a:t>, </a:t>
             </a:r>
             <a:r>
               <a:rPr lang="ko-KR" altLang="en-US" sz="2400" spc="-150" dirty="0">
@@ -1886,7 +1784,7 @@
                 <a:latin typeface="나눔스퀘어 Bold" panose="020B0600000101010101" pitchFamily="50" charset="-127"/>
                 <a:ea typeface="나눔스퀘어 Bold" panose="020B0600000101010101" pitchFamily="50" charset="-127"/>
               </a:rPr>
-              <a:t>빌드</a:t>
+              <a:t>완성도 각 </a:t>
             </a:r>
             <a:r>
               <a:rPr lang="en-US" altLang="ko-KR" sz="2400" spc="-150" dirty="0">
@@ -1896,7 +1794,7 @@
                 <a:latin typeface="나눔스퀘어 Bold" panose="020B0600000101010101" pitchFamily="50" charset="-127"/>
                 <a:ea typeface="나눔스퀘어 Bold" panose="020B0600000101010101" pitchFamily="50" charset="-127"/>
               </a:rPr>
-              <a:t>”</a:t>
+              <a:t>10</a:t>
             </a:r>
             <a:r>
               <a:rPr lang="ko-KR" altLang="en-US" sz="2400" spc="-150" dirty="0">
@@ -1906,7 +1804,7 @@
                 <a:latin typeface="나눔스퀘어 Bold" panose="020B0600000101010101" pitchFamily="50" charset="-127"/>
                 <a:ea typeface="나눔스퀘어 Bold" panose="020B0600000101010101" pitchFamily="50" charset="-127"/>
               </a:rPr>
-              <a:t>된 파일로만 보내주셔야 하고</a:t>
+              <a:t>점이며</a:t>
             </a:r>
             <a:r>
               <a:rPr lang="en-US" altLang="ko-KR" sz="2400" spc="-150" dirty="0">
@@ -1926,136 +1824,7 @@
                 <a:latin typeface="나눔스퀘어 Bold" panose="020B0600000101010101" pitchFamily="50" charset="-127"/>
                 <a:ea typeface="나눔스퀘어 Bold" panose="020B0600000101010101" pitchFamily="50" charset="-127"/>
               </a:rPr>
-              <a:t>이외의 파일은 전부 탈락처리 됩니다</a:t>
-            </a:r>
-            <a:r>
-              <a:rPr lang="en-US" altLang="ko-KR" sz="2400" spc="-150" dirty="0">
-                <a:solidFill>
-                  <a:srgbClr val="8DBABD"/>
-                </a:solidFill>
-                <a:latin typeface="나눔스퀘어 Bold" panose="020B0600000101010101" pitchFamily="50" charset="-127"/>
-                <a:ea typeface="나눔스퀘어 Bold" panose="020B0600000101010101" pitchFamily="50" charset="-127"/>
-              </a:rPr>
-              <a:t>.</a:t>
-            </a:r>
-          </a:p>
-          <a:p>
-            <a:pPr marL="342900" indent="-342900">
-              <a:buFont typeface="Arial" panose="020B0604020202020204" pitchFamily="34" charset="0"/>
-              <a:buChar char="•"/>
-            </a:pPr>
-            <a:endParaRPr lang="en-US" altLang="ko-KR" sz="2400" spc="-150" dirty="0">
-              <a:solidFill>
-                <a:srgbClr val="8DBABD"/>
-              </a:solidFill>
-              <a:latin typeface="나눔스퀘어 Bold" panose="020B0600000101010101" pitchFamily="50" charset="-127"/>
-              <a:ea typeface="나눔스퀘어 Bold" panose="020B0600000101010101" pitchFamily="50" charset="-127"/>
-            </a:endParaRPr>
-          </a:p>
-          <a:p>
-            <a:pPr marL="342900" indent="-342900">
-              <a:buFont typeface="Arial" panose="020B0604020202020204" pitchFamily="34" charset="0"/>
-              <a:buChar char="•"/>
-            </a:pPr>
-            <a:r>
-              <a:rPr lang="ko-KR" altLang="en-US" sz="2400" spc="-150" dirty="0">
-                <a:solidFill>
-                  <a:srgbClr val="8DBABD"/>
-                </a:solidFill>
-                <a:latin typeface="나눔스퀘어 Bold" panose="020B0600000101010101" pitchFamily="50" charset="-127"/>
-                <a:ea typeface="나눔스퀘어 Bold" panose="020B0600000101010101" pitchFamily="50" charset="-127"/>
-              </a:rPr>
-              <a:t>심사 기준은 재미</a:t>
-            </a:r>
-            <a:r>
-              <a:rPr lang="en-US" altLang="ko-KR" sz="2400" spc="-150" dirty="0">
-                <a:solidFill>
-                  <a:srgbClr val="8DBABD"/>
-                </a:solidFill>
-                <a:latin typeface="나눔스퀘어 Bold" panose="020B0600000101010101" pitchFamily="50" charset="-127"/>
-                <a:ea typeface="나눔스퀘어 Bold" panose="020B0600000101010101" pitchFamily="50" charset="-127"/>
-              </a:rPr>
-              <a:t>, </a:t>
-            </a:r>
-            <a:r>
-              <a:rPr lang="ko-KR" altLang="en-US" sz="2400" spc="-150" dirty="0">
-                <a:solidFill>
-                  <a:srgbClr val="8DBABD"/>
-                </a:solidFill>
-                <a:latin typeface="나눔스퀘어 Bold" panose="020B0600000101010101" pitchFamily="50" charset="-127"/>
-                <a:ea typeface="나눔스퀘어 Bold" panose="020B0600000101010101" pitchFamily="50" charset="-127"/>
-              </a:rPr>
-              <a:t>창의성</a:t>
-            </a:r>
-            <a:r>
-              <a:rPr lang="en-US" altLang="ko-KR" sz="2400" spc="-150" dirty="0">
-                <a:solidFill>
-                  <a:srgbClr val="8DBABD"/>
-                </a:solidFill>
-                <a:latin typeface="나눔스퀘어 Bold" panose="020B0600000101010101" pitchFamily="50" charset="-127"/>
-                <a:ea typeface="나눔스퀘어 Bold" panose="020B0600000101010101" pitchFamily="50" charset="-127"/>
-              </a:rPr>
-              <a:t>, </a:t>
-            </a:r>
-            <a:r>
-              <a:rPr lang="ko-KR" altLang="en-US" sz="2400" spc="-150" dirty="0">
-                <a:solidFill>
-                  <a:srgbClr val="8DBABD"/>
-                </a:solidFill>
-                <a:latin typeface="나눔스퀘어 Bold" panose="020B0600000101010101" pitchFamily="50" charset="-127"/>
-                <a:ea typeface="나눔스퀘어 Bold" panose="020B0600000101010101" pitchFamily="50" charset="-127"/>
-              </a:rPr>
-              <a:t>그래픽 각 </a:t>
-            </a:r>
-            <a:r>
-              <a:rPr lang="en-US" altLang="ko-KR" sz="2400" spc="-150" dirty="0">
-                <a:solidFill>
-                  <a:srgbClr val="8DBABD"/>
-                </a:solidFill>
-                <a:latin typeface="나눔스퀘어 Bold" panose="020B0600000101010101" pitchFamily="50" charset="-127"/>
-                <a:ea typeface="나눔스퀘어 Bold" panose="020B0600000101010101" pitchFamily="50" charset="-127"/>
-              </a:rPr>
-              <a:t>10</a:t>
-            </a:r>
-            <a:r>
-              <a:rPr lang="ko-KR" altLang="en-US" sz="2400" spc="-150" dirty="0">
-                <a:solidFill>
-                  <a:srgbClr val="8DBABD"/>
-                </a:solidFill>
-                <a:latin typeface="나눔스퀘어 Bold" panose="020B0600000101010101" pitchFamily="50" charset="-127"/>
-                <a:ea typeface="나눔스퀘어 Bold" panose="020B0600000101010101" pitchFamily="50" charset="-127"/>
-              </a:rPr>
-              <a:t>점이며</a:t>
-            </a:r>
-            <a:r>
-              <a:rPr lang="en-US" altLang="ko-KR" sz="2400" spc="-150" dirty="0">
-                <a:solidFill>
-                  <a:srgbClr val="8DBABD"/>
-                </a:solidFill>
-                <a:latin typeface="나눔스퀘어 Bold" panose="020B0600000101010101" pitchFamily="50" charset="-127"/>
-                <a:ea typeface="나눔스퀘어 Bold" panose="020B0600000101010101" pitchFamily="50" charset="-127"/>
-              </a:rPr>
-              <a:t>, </a:t>
-            </a:r>
-            <a:r>
-              <a:rPr lang="ko-KR" altLang="en-US" sz="2400" spc="-150" dirty="0">
-                <a:solidFill>
-                  <a:srgbClr val="8DBABD"/>
-                </a:solidFill>
-                <a:latin typeface="나눔스퀘어 Bold" panose="020B0600000101010101" pitchFamily="50" charset="-127"/>
-                <a:ea typeface="나눔스퀘어 Bold" panose="020B0600000101010101" pitchFamily="50" charset="-127"/>
-              </a:rPr>
-              <a:t>총합으로 순위가 </a:t>
-            </a:r>
-            <a:r>
-              <a:rPr lang="ko-KR" altLang="en-US" sz="2400" spc="-150" dirty="0" err="1">
-                <a:solidFill>
-                  <a:srgbClr val="8DBABD"/>
-                </a:solidFill>
-                <a:latin typeface="나눔스퀘어 Bold" panose="020B0600000101010101" pitchFamily="50" charset="-127"/>
-                <a:ea typeface="나눔스퀘어 Bold" panose="020B0600000101010101" pitchFamily="50" charset="-127"/>
-              </a:rPr>
-              <a:t>매겨지게됩니다</a:t>
+              <a:t>총합으로 순위가 결정됩니다</a:t>
             </a:r>
             <a:r>
               <a:rPr lang="en-US" altLang="ko-KR" sz="2400" spc="-150" dirty="0">
@@ -2141,8 +1910,8 @@
         </p:blipFill>
         <p:spPr>
           <a:xfrm>
-            <a:off x="9553575" y="1793133"/>
-            <a:ext cx="2638425" cy="457200"/>
+            <a:off x="9508191" y="1787633"/>
+            <a:ext cx="2565402" cy="444548"/>
           </a:xfrm>
           <a:prstGeom prst="rect">
             <a:avLst/>
@@ -2153,6 +1922,1327 @@
     <p:extLst>
       <p:ext uri="{BB962C8B-B14F-4D97-AF65-F5344CB8AC3E}">
         <p14:creationId xmlns:p14="http://schemas.microsoft.com/office/powerpoint/2010/main" val="1489070648"/>
+      </p:ext>
+    </p:extLst>
+  </p:cSld>
+  <p:clrMapOvr>
+    <a:masterClrMapping/>
+  </p:clrMapOvr>
+</p:sld>
+</file>
+
+<file path=ppt/slides/slide2.xml><?xml version="1.0" encoding="utf-8"?>
+<p:sld xmlns:a="http://schemas.openxmlformats.org/drawingml/2006/main" xmlns:r="http://schemas.openxmlformats.org/officeDocument/2006/relationships" xmlns:p="http://schemas.openxmlformats.org/presentationml/2006/main">
+  <p:cSld>
+    <p:spTree>
+      <p:nvGrpSpPr>
+        <p:cNvPr id="1" name=""/>
+        <p:cNvGrpSpPr/>
+        <p:nvPr/>
+      </p:nvGrpSpPr>
+      <p:grpSpPr>
+        <a:xfrm>
+          <a:off x="0" y="0"/>
+          <a:ext cx="0" cy="0"/>
+          <a:chOff x="0" y="0"/>
+          <a:chExt cx="0" cy="0"/>
+        </a:xfrm>
+      </p:grpSpPr>
+      <p:sp>
+        <p:nvSpPr>
+          <p:cNvPr id="13" name="TextBox 12">
+            <a:extLst>
+              <a:ext uri="{FF2B5EF4-FFF2-40B4-BE49-F238E27FC236}">
+                <a16:creationId xmlns:a16="http://schemas.microsoft.com/office/drawing/2014/main" id="{29267621-A5E0-425E-86AF-1DBC401CEF50}"/>
+              </a:ext>
+            </a:extLst>
+          </p:cNvPr>
+          <p:cNvSpPr txBox="1"/>
+          <p:nvPr/>
+        </p:nvSpPr>
+        <p:spPr>
+          <a:xfrm>
+            <a:off x="620538" y="1512367"/>
+            <a:ext cx="10950924" cy="4524315"/>
+          </a:xfrm>
+          <a:prstGeom prst="rect">
+            <a:avLst/>
+          </a:prstGeom>
+          <a:noFill/>
+        </p:spPr>
+        <p:txBody>
+          <a:bodyPr wrap="square" rtlCol="0">
+            <a:spAutoFit/>
+          </a:bodyPr>
+          <a:lstStyle/>
+          <a:p>
+            <a:pPr marL="342900" indent="-342900">
+              <a:buFont typeface="Arial" panose="020B0604020202020204" pitchFamily="34" charset="0"/>
+              <a:buChar char="•"/>
+            </a:pPr>
+            <a:r>
+              <a:rPr lang="ko-KR" altLang="en-US" sz="2400" spc="-150" dirty="0">
+                <a:solidFill>
+                  <a:srgbClr val="8DBABD"/>
+                </a:solidFill>
+                <a:latin typeface="나눔스퀘어 Bold" panose="020B0600000101010101" pitchFamily="50" charset="-127"/>
+                <a:ea typeface="나눔스퀘어 Bold" panose="020B0600000101010101" pitchFamily="50" charset="-127"/>
+              </a:rPr>
+              <a:t>빌드 결과 생성되는 다음의 파일들을 압축하여 제출하시면 됩니다</a:t>
+            </a:r>
+            <a:r>
+              <a:rPr lang="en-US" altLang="ko-KR" sz="2400" spc="-150" dirty="0">
+                <a:solidFill>
+                  <a:srgbClr val="8DBABD"/>
+                </a:solidFill>
+                <a:latin typeface="나눔스퀘어 Bold" panose="020B0600000101010101" pitchFamily="50" charset="-127"/>
+                <a:ea typeface="나눔스퀘어 Bold" panose="020B0600000101010101" pitchFamily="50" charset="-127"/>
+              </a:rPr>
+              <a:t>.</a:t>
+            </a:r>
+          </a:p>
+          <a:p>
+            <a:pPr marL="342900" indent="-342900">
+              <a:buFont typeface="Arial" panose="020B0604020202020204" pitchFamily="34" charset="0"/>
+              <a:buChar char="•"/>
+            </a:pPr>
+            <a:endParaRPr lang="en-US" altLang="ko-KR" sz="2400" spc="-150" dirty="0">
+              <a:solidFill>
+                <a:srgbClr val="8DBABD"/>
+              </a:solidFill>
+              <a:latin typeface="나눔스퀘어 Bold" panose="020B0600000101010101" pitchFamily="50" charset="-127"/>
+              <a:ea typeface="나눔스퀘어 Bold" panose="020B0600000101010101" pitchFamily="50" charset="-127"/>
+            </a:endParaRPr>
+          </a:p>
+          <a:p>
+            <a:pPr marL="342900" indent="-342900">
+              <a:buFont typeface="Arial" panose="020B0604020202020204" pitchFamily="34" charset="0"/>
+              <a:buChar char="•"/>
+            </a:pPr>
+            <a:endParaRPr lang="en-US" altLang="ko-KR" sz="2400" spc="-150" dirty="0">
+              <a:solidFill>
+                <a:srgbClr val="8DBABD"/>
+              </a:solidFill>
+              <a:latin typeface="나눔스퀘어 Bold" panose="020B0600000101010101" pitchFamily="50" charset="-127"/>
+              <a:ea typeface="나눔스퀘어 Bold" panose="020B0600000101010101" pitchFamily="50" charset="-127"/>
+            </a:endParaRPr>
+          </a:p>
+          <a:p>
+            <a:endParaRPr lang="en-US" altLang="ko-KR" sz="2400" spc="-150" dirty="0">
+              <a:solidFill>
+                <a:srgbClr val="8DBABD"/>
+              </a:solidFill>
+              <a:latin typeface="나눔스퀘어 Bold" panose="020B0600000101010101" pitchFamily="50" charset="-127"/>
+              <a:ea typeface="나눔스퀘어 Bold" panose="020B0600000101010101" pitchFamily="50" charset="-127"/>
+            </a:endParaRPr>
+          </a:p>
+          <a:p>
+            <a:pPr marL="342900" indent="-342900">
+              <a:buFont typeface="Arial" panose="020B0604020202020204" pitchFamily="34" charset="0"/>
+              <a:buChar char="•"/>
+            </a:pPr>
+            <a:endParaRPr lang="en-US" altLang="ko-KR" sz="2400" spc="-150" dirty="0">
+              <a:solidFill>
+                <a:srgbClr val="8DBABD"/>
+              </a:solidFill>
+              <a:latin typeface="나눔스퀘어 Bold" panose="020B0600000101010101" pitchFamily="50" charset="-127"/>
+              <a:ea typeface="나눔스퀘어 Bold" panose="020B0600000101010101" pitchFamily="50" charset="-127"/>
+            </a:endParaRPr>
+          </a:p>
+          <a:p>
+            <a:pPr marL="342900" indent="-342900">
+              <a:buFont typeface="Arial" panose="020B0604020202020204" pitchFamily="34" charset="0"/>
+              <a:buChar char="•"/>
+            </a:pPr>
+            <a:endParaRPr lang="en-US" altLang="ko-KR" sz="2400" spc="-150" dirty="0">
+              <a:solidFill>
+                <a:srgbClr val="8DBABD"/>
+              </a:solidFill>
+              <a:latin typeface="나눔스퀘어 Bold" panose="020B0600000101010101" pitchFamily="50" charset="-127"/>
+              <a:ea typeface="나눔스퀘어 Bold" panose="020B0600000101010101" pitchFamily="50" charset="-127"/>
+            </a:endParaRPr>
+          </a:p>
+          <a:p>
+            <a:pPr marL="342900" indent="-342900">
+              <a:buFont typeface="Arial" panose="020B0604020202020204" pitchFamily="34" charset="0"/>
+              <a:buChar char="•"/>
+            </a:pPr>
+            <a:r>
+              <a:rPr lang="ko-KR" altLang="en-US" sz="2400" spc="-150" dirty="0">
+                <a:solidFill>
+                  <a:srgbClr val="8DBABD"/>
+                </a:solidFill>
+                <a:latin typeface="나눔스퀘어 Bold" panose="020B0600000101010101" pitchFamily="50" charset="-127"/>
+                <a:ea typeface="나눔스퀘어 Bold" panose="020B0600000101010101" pitchFamily="50" charset="-127"/>
+              </a:rPr>
+              <a:t>빌드 시 별도로 설정할 부분은 없으며</a:t>
+            </a:r>
+            <a:r>
+              <a:rPr lang="en-US" altLang="ko-KR" sz="2400" spc="-150" dirty="0">
+                <a:solidFill>
+                  <a:srgbClr val="8DBABD"/>
+                </a:solidFill>
+                <a:latin typeface="나눔스퀘어 Bold" panose="020B0600000101010101" pitchFamily="50" charset="-127"/>
+                <a:ea typeface="나눔스퀘어 Bold" panose="020B0600000101010101" pitchFamily="50" charset="-127"/>
+              </a:rPr>
+              <a:t> </a:t>
+            </a:r>
+            <a:r>
+              <a:rPr lang="ko-KR" altLang="en-US" sz="2400" spc="-150" dirty="0">
+                <a:solidFill>
+                  <a:srgbClr val="8DBABD"/>
+                </a:solidFill>
+                <a:latin typeface="나눔스퀘어 Bold" panose="020B0600000101010101" pitchFamily="50" charset="-127"/>
+                <a:ea typeface="나눔스퀘어 Bold" panose="020B0600000101010101" pitchFamily="50" charset="-127"/>
+              </a:rPr>
+              <a:t>스터디 자료를 참고하여 빌드하시면 됩니다</a:t>
+            </a:r>
+            <a:r>
+              <a:rPr lang="en-US" altLang="ko-KR" sz="2400" spc="-150" dirty="0">
+                <a:solidFill>
+                  <a:srgbClr val="8DBABD"/>
+                </a:solidFill>
+                <a:latin typeface="나눔스퀘어 Bold" panose="020B0600000101010101" pitchFamily="50" charset="-127"/>
+                <a:ea typeface="나눔스퀘어 Bold" panose="020B0600000101010101" pitchFamily="50" charset="-127"/>
+              </a:rPr>
+              <a:t>.</a:t>
+            </a:r>
+          </a:p>
+          <a:p>
+            <a:pPr marL="342900" indent="-342900">
+              <a:buFont typeface="Arial" panose="020B0604020202020204" pitchFamily="34" charset="0"/>
+              <a:buChar char="•"/>
+            </a:pPr>
+            <a:endParaRPr lang="en-US" altLang="ko-KR" sz="2400" spc="-150" dirty="0">
+              <a:solidFill>
+                <a:srgbClr val="8DBABD"/>
+              </a:solidFill>
+              <a:latin typeface="나눔스퀘어 Bold" panose="020B0600000101010101" pitchFamily="50" charset="-127"/>
+              <a:ea typeface="나눔스퀘어 Bold" panose="020B0600000101010101" pitchFamily="50" charset="-127"/>
+            </a:endParaRPr>
+          </a:p>
+          <a:p>
+            <a:pPr marL="342900" indent="-342900">
+              <a:buFont typeface="Arial" panose="020B0604020202020204" pitchFamily="34" charset="0"/>
+              <a:buChar char="•"/>
+            </a:pPr>
+            <a:r>
+              <a:rPr lang="ko-KR" altLang="en-US" sz="2400" spc="-150" dirty="0">
+                <a:solidFill>
+                  <a:srgbClr val="8DBABD"/>
+                </a:solidFill>
+                <a:latin typeface="나눔스퀘어 Bold" panose="020B0600000101010101" pitchFamily="50" charset="-127"/>
+                <a:ea typeface="나눔스퀘어 Bold" panose="020B0600000101010101" pitchFamily="50" charset="-127"/>
+              </a:rPr>
+              <a:t>빌드 된 환경은 에디터의 환경과 다릅니다</a:t>
+            </a:r>
+            <a:r>
+              <a:rPr lang="en-US" altLang="ko-KR" sz="2400" spc="-150" dirty="0">
+                <a:solidFill>
+                  <a:srgbClr val="8DBABD"/>
+                </a:solidFill>
+                <a:latin typeface="나눔스퀘어 Bold" panose="020B0600000101010101" pitchFamily="50" charset="-127"/>
+                <a:ea typeface="나눔스퀘어 Bold" panose="020B0600000101010101" pitchFamily="50" charset="-127"/>
+              </a:rPr>
+              <a:t>. </a:t>
+            </a:r>
+            <a:r>
+              <a:rPr lang="ko-KR" altLang="en-US" sz="2400" spc="-150" dirty="0">
+                <a:solidFill>
+                  <a:srgbClr val="8DBABD"/>
+                </a:solidFill>
+                <a:latin typeface="나눔스퀘어 Bold" panose="020B0600000101010101" pitchFamily="50" charset="-127"/>
+                <a:ea typeface="나눔스퀘어 Bold" panose="020B0600000101010101" pitchFamily="50" charset="-127"/>
+              </a:rPr>
+              <a:t>버그 확인을 위해 제출 전 빌드 파일을 실행해보는 것을 권장합니다</a:t>
+            </a:r>
+            <a:r>
+              <a:rPr lang="en-US" altLang="ko-KR" sz="2400" spc="-150" dirty="0">
+                <a:solidFill>
+                  <a:srgbClr val="8DBABD"/>
+                </a:solidFill>
+                <a:latin typeface="나눔스퀘어 Bold" panose="020B0600000101010101" pitchFamily="50" charset="-127"/>
+                <a:ea typeface="나눔스퀘어 Bold" panose="020B0600000101010101" pitchFamily="50" charset="-127"/>
+              </a:rPr>
+              <a:t>.</a:t>
+            </a:r>
+          </a:p>
+          <a:p>
+            <a:pPr marL="342900" indent="-342900">
+              <a:buFont typeface="Arial" panose="020B0604020202020204" pitchFamily="34" charset="0"/>
+              <a:buChar char="•"/>
+            </a:pPr>
+            <a:endParaRPr lang="en-US" altLang="ko-KR" sz="2400" spc="-150" dirty="0">
+              <a:solidFill>
+                <a:srgbClr val="8DBABD"/>
+              </a:solidFill>
+              <a:latin typeface="나눔스퀘어 Bold" panose="020B0600000101010101" pitchFamily="50" charset="-127"/>
+              <a:ea typeface="나눔스퀘어 Bold" panose="020B0600000101010101" pitchFamily="50" charset="-127"/>
+            </a:endParaRPr>
+          </a:p>
+          <a:p>
+            <a:pPr marL="342900" indent="-342900">
+              <a:buFont typeface="Arial" panose="020B0604020202020204" pitchFamily="34" charset="0"/>
+              <a:buChar char="•"/>
+            </a:pPr>
+            <a:r>
+              <a:rPr lang="ko-KR" altLang="en-US" sz="2400" spc="-150" dirty="0">
+                <a:solidFill>
+                  <a:srgbClr val="8DBABD"/>
+                </a:solidFill>
+                <a:latin typeface="나눔스퀘어 Bold" panose="020B0600000101010101" pitchFamily="50" charset="-127"/>
+                <a:ea typeface="나눔스퀘어 Bold" panose="020B0600000101010101" pitchFamily="50" charset="-127"/>
+              </a:rPr>
+              <a:t>완성도에는 </a:t>
+            </a:r>
+            <a:r>
+              <a:rPr lang="en-US" altLang="ko-KR" sz="2400" spc="-150" dirty="0">
+                <a:solidFill>
+                  <a:srgbClr val="8DBABD"/>
+                </a:solidFill>
+                <a:latin typeface="나눔스퀘어 Bold" panose="020B0600000101010101" pitchFamily="50" charset="-127"/>
+                <a:ea typeface="나눔스퀘어 Bold" panose="020B0600000101010101" pitchFamily="50" charset="-127"/>
+              </a:rPr>
+              <a:t>UI </a:t>
+            </a:r>
+            <a:r>
+              <a:rPr lang="ko-KR" altLang="en-US" sz="2400" spc="-150" dirty="0">
+                <a:solidFill>
+                  <a:srgbClr val="8DBABD"/>
+                </a:solidFill>
+                <a:latin typeface="나눔스퀘어 Bold" panose="020B0600000101010101" pitchFamily="50" charset="-127"/>
+                <a:ea typeface="나눔스퀘어 Bold" panose="020B0600000101010101" pitchFamily="50" charset="-127"/>
+              </a:rPr>
+              <a:t>및 버그의 유무가 포함됩니다</a:t>
+            </a:r>
+            <a:r>
+              <a:rPr lang="en-US" altLang="ko-KR" sz="2400" spc="-150" dirty="0">
+                <a:solidFill>
+                  <a:srgbClr val="8DBABD"/>
+                </a:solidFill>
+                <a:latin typeface="나눔스퀘어 Bold" panose="020B0600000101010101" pitchFamily="50" charset="-127"/>
+                <a:ea typeface="나눔스퀘어 Bold" panose="020B0600000101010101" pitchFamily="50" charset="-127"/>
+              </a:rPr>
+              <a:t>.</a:t>
+            </a:r>
+          </a:p>
+        </p:txBody>
+      </p:sp>
+      <p:pic>
+        <p:nvPicPr>
+          <p:cNvPr id="3" name="그림 2">
+            <a:extLst>
+              <a:ext uri="{FF2B5EF4-FFF2-40B4-BE49-F238E27FC236}">
+                <a16:creationId xmlns:a16="http://schemas.microsoft.com/office/drawing/2014/main" id="{5FCC55D9-F687-4C33-B50A-547BA464BD55}"/>
+              </a:ext>
+            </a:extLst>
+          </p:cNvPr>
+          <p:cNvPicPr>
+            <a:picLocks noChangeAspect="1"/>
+          </p:cNvPicPr>
+          <p:nvPr/>
+        </p:nvPicPr>
+        <p:blipFill>
+          <a:blip r:embed="rId2"/>
+          <a:stretch>
+            <a:fillRect/>
+          </a:stretch>
+        </p:blipFill>
+        <p:spPr>
+          <a:xfrm>
+            <a:off x="1069803" y="2027816"/>
+            <a:ext cx="8015450" cy="1748120"/>
+          </a:xfrm>
+          <a:prstGeom prst="rect">
+            <a:avLst/>
+          </a:prstGeom>
+        </p:spPr>
+      </p:pic>
+      <p:cxnSp>
+        <p:nvCxnSpPr>
+          <p:cNvPr id="5" name="직선 연결선 4">
+            <a:extLst>
+              <a:ext uri="{FF2B5EF4-FFF2-40B4-BE49-F238E27FC236}">
+                <a16:creationId xmlns:a16="http://schemas.microsoft.com/office/drawing/2014/main" id="{7AE9FC3B-F61A-464E-9A4D-342E009D1B2E}"/>
+              </a:ext>
+            </a:extLst>
+          </p:cNvPr>
+          <p:cNvCxnSpPr>
+            <a:cxnSpLocks/>
+          </p:cNvCxnSpPr>
+          <p:nvPr/>
+        </p:nvCxnSpPr>
+        <p:spPr>
+          <a:xfrm>
+            <a:off x="1026522" y="989148"/>
+            <a:ext cx="2160000" cy="0"/>
+          </a:xfrm>
+          <a:prstGeom prst="line">
+            <a:avLst/>
+          </a:prstGeom>
+          <a:ln>
+            <a:solidFill>
+              <a:schemeClr val="bg1">
+                <a:lumMod val="50000"/>
+              </a:schemeClr>
+            </a:solidFill>
+          </a:ln>
+        </p:spPr>
+        <p:style>
+          <a:lnRef idx="1">
+            <a:schemeClr val="accent1"/>
+          </a:lnRef>
+          <a:fillRef idx="0">
+            <a:schemeClr val="accent1"/>
+          </a:fillRef>
+          <a:effectRef idx="0">
+            <a:schemeClr val="accent1"/>
+          </a:effectRef>
+          <a:fontRef idx="minor">
+            <a:schemeClr val="tx1"/>
+          </a:fontRef>
+        </p:style>
+      </p:cxnSp>
+      <p:sp>
+        <p:nvSpPr>
+          <p:cNvPr id="7" name="TextBox 6">
+            <a:extLst>
+              <a:ext uri="{FF2B5EF4-FFF2-40B4-BE49-F238E27FC236}">
+                <a16:creationId xmlns:a16="http://schemas.microsoft.com/office/drawing/2014/main" id="{06C64766-EB70-4690-AF28-15879E0D1CC6}"/>
+              </a:ext>
+            </a:extLst>
+          </p:cNvPr>
+          <p:cNvSpPr txBox="1"/>
+          <p:nvPr/>
+        </p:nvSpPr>
+        <p:spPr>
+          <a:xfrm>
+            <a:off x="1046562" y="437393"/>
+            <a:ext cx="2831224" cy="584775"/>
+          </a:xfrm>
+          <a:prstGeom prst="rect">
+            <a:avLst/>
+          </a:prstGeom>
+          <a:noFill/>
+        </p:spPr>
+        <p:txBody>
+          <a:bodyPr wrap="none" rtlCol="0">
+            <a:spAutoFit/>
+          </a:bodyPr>
+          <a:lstStyle/>
+          <a:p>
+            <a:r>
+              <a:rPr lang="ko-KR" altLang="en-US" sz="3200" spc="-150" dirty="0">
+                <a:solidFill>
+                  <a:srgbClr val="00002F"/>
+                </a:solidFill>
+                <a:latin typeface="나눔스퀘어 ExtraBold" panose="020B0600000101010101" pitchFamily="50" charset="-127"/>
+                <a:ea typeface="나눔스퀘어 ExtraBold" panose="020B0600000101010101" pitchFamily="50" charset="-127"/>
+              </a:rPr>
+              <a:t>제출 시 유의사항</a:t>
+            </a:r>
+          </a:p>
+        </p:txBody>
+      </p:sp>
+      <p:sp>
+        <p:nvSpPr>
+          <p:cNvPr id="9" name="TextBox 8">
+            <a:extLst>
+              <a:ext uri="{FF2B5EF4-FFF2-40B4-BE49-F238E27FC236}">
+                <a16:creationId xmlns:a16="http://schemas.microsoft.com/office/drawing/2014/main" id="{539BF789-EACC-489A-B284-C6B177E8077A}"/>
+              </a:ext>
+            </a:extLst>
+          </p:cNvPr>
+          <p:cNvSpPr txBox="1"/>
+          <p:nvPr/>
+        </p:nvSpPr>
+        <p:spPr>
+          <a:xfrm>
+            <a:off x="455532" y="498947"/>
+            <a:ext cx="614271" cy="461665"/>
+          </a:xfrm>
+          <a:prstGeom prst="rect">
+            <a:avLst/>
+          </a:prstGeom>
+          <a:noFill/>
+        </p:spPr>
+        <p:txBody>
+          <a:bodyPr wrap="none" rtlCol="0">
+            <a:spAutoFit/>
+          </a:bodyPr>
+          <a:lstStyle/>
+          <a:p>
+            <a:pPr algn="ctr"/>
+            <a:r>
+              <a:rPr lang="en-US" altLang="ko-KR" sz="2400" spc="-150" dirty="0">
+                <a:solidFill>
+                  <a:srgbClr val="00002F"/>
+                </a:solidFill>
+                <a:latin typeface="나눔스퀘어 ExtraBold" panose="020B0600000101010101" pitchFamily="50" charset="-127"/>
+                <a:ea typeface="나눔스퀘어 ExtraBold" panose="020B0600000101010101" pitchFamily="50" charset="-127"/>
+              </a:rPr>
+              <a:t>02.</a:t>
+            </a:r>
+            <a:endParaRPr lang="ko-KR" altLang="en-US" sz="2400" spc="-150" dirty="0">
+              <a:solidFill>
+                <a:srgbClr val="00002F"/>
+              </a:solidFill>
+              <a:latin typeface="나눔스퀘어 ExtraBold" panose="020B0600000101010101" pitchFamily="50" charset="-127"/>
+              <a:ea typeface="나눔스퀘어 ExtraBold" panose="020B0600000101010101" pitchFamily="50" charset="-127"/>
+            </a:endParaRPr>
+          </a:p>
+        </p:txBody>
+      </p:sp>
+      <p:cxnSp>
+        <p:nvCxnSpPr>
+          <p:cNvPr id="2" name="직선 연결선 1">
+            <a:extLst>
+              <a:ext uri="{FF2B5EF4-FFF2-40B4-BE49-F238E27FC236}">
+                <a16:creationId xmlns:a16="http://schemas.microsoft.com/office/drawing/2014/main" id="{77CBF8EA-27A0-4E26-ADC7-7A7681DBEB8E}"/>
+              </a:ext>
+            </a:extLst>
+          </p:cNvPr>
+          <p:cNvCxnSpPr>
+            <a:cxnSpLocks/>
+          </p:cNvCxnSpPr>
+          <p:nvPr/>
+        </p:nvCxnSpPr>
+        <p:spPr>
+          <a:xfrm>
+            <a:off x="10430892" y="144941"/>
+            <a:ext cx="360000" cy="0"/>
+          </a:xfrm>
+          <a:prstGeom prst="line">
+            <a:avLst/>
+          </a:prstGeom>
+          <a:ln w="44450" cap="rnd">
+            <a:solidFill>
+              <a:srgbClr val="D0CECE"/>
+            </a:solidFill>
+          </a:ln>
+          <a:effectLst>
+            <a:outerShdw blurRad="50800" dist="38100" dir="5400000" algn="t" rotWithShape="0">
+              <a:prstClr val="black">
+                <a:alpha val="40000"/>
+              </a:prstClr>
+            </a:outerShdw>
+          </a:effectLst>
+        </p:spPr>
+        <p:style>
+          <a:lnRef idx="1">
+            <a:schemeClr val="accent1"/>
+          </a:lnRef>
+          <a:fillRef idx="0">
+            <a:schemeClr val="accent1"/>
+          </a:fillRef>
+          <a:effectRef idx="0">
+            <a:schemeClr val="accent1"/>
+          </a:effectRef>
+          <a:fontRef idx="minor">
+            <a:schemeClr val="tx1"/>
+          </a:fontRef>
+        </p:style>
+      </p:cxnSp>
+      <p:cxnSp>
+        <p:nvCxnSpPr>
+          <p:cNvPr id="4" name="직선 연결선 3">
+            <a:extLst>
+              <a:ext uri="{FF2B5EF4-FFF2-40B4-BE49-F238E27FC236}">
+                <a16:creationId xmlns:a16="http://schemas.microsoft.com/office/drawing/2014/main" id="{682CF60D-D21B-44B6-8C7E-D2C32F4F1A33}"/>
+              </a:ext>
+            </a:extLst>
+          </p:cNvPr>
+          <p:cNvCxnSpPr>
+            <a:cxnSpLocks/>
+          </p:cNvCxnSpPr>
+          <p:nvPr/>
+        </p:nvCxnSpPr>
+        <p:spPr>
+          <a:xfrm>
+            <a:off x="10858459" y="144941"/>
+            <a:ext cx="360000" cy="0"/>
+          </a:xfrm>
+          <a:prstGeom prst="line">
+            <a:avLst/>
+          </a:prstGeom>
+          <a:ln w="44450" cap="rnd">
+            <a:solidFill>
+              <a:srgbClr val="8DBABD"/>
+            </a:solidFill>
+          </a:ln>
+          <a:effectLst>
+            <a:outerShdw blurRad="50800" dist="38100" dir="5400000" algn="t" rotWithShape="0">
+              <a:prstClr val="black">
+                <a:alpha val="40000"/>
+              </a:prstClr>
+            </a:outerShdw>
+          </a:effectLst>
+        </p:spPr>
+        <p:style>
+          <a:lnRef idx="1">
+            <a:schemeClr val="accent1"/>
+          </a:lnRef>
+          <a:fillRef idx="0">
+            <a:schemeClr val="accent1"/>
+          </a:fillRef>
+          <a:effectRef idx="0">
+            <a:schemeClr val="accent1"/>
+          </a:effectRef>
+          <a:fontRef idx="minor">
+            <a:schemeClr val="tx1"/>
+          </a:fontRef>
+        </p:style>
+      </p:cxnSp>
+      <p:cxnSp>
+        <p:nvCxnSpPr>
+          <p:cNvPr id="6" name="직선 연결선 5">
+            <a:extLst>
+              <a:ext uri="{FF2B5EF4-FFF2-40B4-BE49-F238E27FC236}">
+                <a16:creationId xmlns:a16="http://schemas.microsoft.com/office/drawing/2014/main" id="{CF1F623E-5667-47B2-8B2F-E6B59B7E53E4}"/>
+              </a:ext>
+            </a:extLst>
+          </p:cNvPr>
+          <p:cNvCxnSpPr>
+            <a:cxnSpLocks/>
+          </p:cNvCxnSpPr>
+          <p:nvPr/>
+        </p:nvCxnSpPr>
+        <p:spPr>
+          <a:xfrm>
+            <a:off x="11286026" y="144941"/>
+            <a:ext cx="360000" cy="0"/>
+          </a:xfrm>
+          <a:prstGeom prst="line">
+            <a:avLst/>
+          </a:prstGeom>
+          <a:ln w="44450" cap="rnd">
+            <a:solidFill>
+              <a:schemeClr val="bg2">
+                <a:lumMod val="90000"/>
+              </a:schemeClr>
+            </a:solidFill>
+          </a:ln>
+          <a:effectLst>
+            <a:outerShdw blurRad="50800" dist="38100" dir="5400000" algn="t" rotWithShape="0">
+              <a:prstClr val="black">
+                <a:alpha val="40000"/>
+              </a:prstClr>
+            </a:outerShdw>
+          </a:effectLst>
+        </p:spPr>
+        <p:style>
+          <a:lnRef idx="1">
+            <a:schemeClr val="accent1"/>
+          </a:lnRef>
+          <a:fillRef idx="0">
+            <a:schemeClr val="accent1"/>
+          </a:fillRef>
+          <a:effectRef idx="0">
+            <a:schemeClr val="accent1"/>
+          </a:effectRef>
+          <a:fontRef idx="minor">
+            <a:schemeClr val="tx1"/>
+          </a:fontRef>
+        </p:style>
+      </p:cxnSp>
+      <p:cxnSp>
+        <p:nvCxnSpPr>
+          <p:cNvPr id="12" name="직선 연결선 11">
+            <a:extLst>
+              <a:ext uri="{FF2B5EF4-FFF2-40B4-BE49-F238E27FC236}">
+                <a16:creationId xmlns:a16="http://schemas.microsoft.com/office/drawing/2014/main" id="{4FA6B7F8-3FB6-4A85-8769-A626E9B80B03}"/>
+              </a:ext>
+            </a:extLst>
+          </p:cNvPr>
+          <p:cNvCxnSpPr>
+            <a:cxnSpLocks/>
+          </p:cNvCxnSpPr>
+          <p:nvPr/>
+        </p:nvCxnSpPr>
+        <p:spPr>
+          <a:xfrm>
+            <a:off x="11713592" y="144941"/>
+            <a:ext cx="360000" cy="0"/>
+          </a:xfrm>
+          <a:prstGeom prst="line">
+            <a:avLst/>
+          </a:prstGeom>
+          <a:ln w="44450" cap="rnd">
+            <a:solidFill>
+              <a:schemeClr val="bg2">
+                <a:lumMod val="90000"/>
+              </a:schemeClr>
+            </a:solidFill>
+          </a:ln>
+          <a:effectLst>
+            <a:outerShdw blurRad="50800" dist="38100" dir="5400000" algn="t" rotWithShape="0">
+              <a:prstClr val="black">
+                <a:alpha val="40000"/>
+              </a:prstClr>
+            </a:outerShdw>
+          </a:effectLst>
+        </p:spPr>
+        <p:style>
+          <a:lnRef idx="1">
+            <a:schemeClr val="accent1"/>
+          </a:lnRef>
+          <a:fillRef idx="0">
+            <a:schemeClr val="accent1"/>
+          </a:fillRef>
+          <a:effectRef idx="0">
+            <a:schemeClr val="accent1"/>
+          </a:effectRef>
+          <a:fontRef idx="minor">
+            <a:schemeClr val="tx1"/>
+          </a:fontRef>
+        </p:style>
+      </p:cxnSp>
+      <p:sp>
+        <p:nvSpPr>
+          <p:cNvPr id="16" name="TextBox 15">
+            <a:extLst>
+              <a:ext uri="{FF2B5EF4-FFF2-40B4-BE49-F238E27FC236}">
+                <a16:creationId xmlns:a16="http://schemas.microsoft.com/office/drawing/2014/main" id="{02296734-A8C1-4A1A-BE29-D3D3723F8E70}"/>
+              </a:ext>
+            </a:extLst>
+          </p:cNvPr>
+          <p:cNvSpPr txBox="1"/>
+          <p:nvPr/>
+        </p:nvSpPr>
+        <p:spPr>
+          <a:xfrm>
+            <a:off x="1069803" y="1006929"/>
+            <a:ext cx="986167" cy="369332"/>
+          </a:xfrm>
+          <a:prstGeom prst="rect">
+            <a:avLst/>
+          </a:prstGeom>
+          <a:noFill/>
+        </p:spPr>
+        <p:txBody>
+          <a:bodyPr wrap="none" rtlCol="0">
+            <a:spAutoFit/>
+          </a:bodyPr>
+          <a:lstStyle/>
+          <a:p>
+            <a:r>
+              <a:rPr lang="ko-KR" altLang="en-US" spc="-150" dirty="0">
+                <a:solidFill>
+                  <a:srgbClr val="00002F"/>
+                </a:solidFill>
+                <a:latin typeface="나눔스퀘어 ExtraBold" panose="020B0600000101010101" pitchFamily="50" charset="-127"/>
+                <a:ea typeface="나눔스퀘어 ExtraBold" panose="020B0600000101010101" pitchFamily="50" charset="-127"/>
+              </a:rPr>
+              <a:t>빌드 파일</a:t>
+            </a:r>
+          </a:p>
+        </p:txBody>
+      </p:sp>
+    </p:spTree>
+    <p:extLst>
+      <p:ext uri="{BB962C8B-B14F-4D97-AF65-F5344CB8AC3E}">
+        <p14:creationId xmlns:p14="http://schemas.microsoft.com/office/powerpoint/2010/main" val="2299500720"/>
+      </p:ext>
+    </p:extLst>
+  </p:cSld>
+  <p:clrMapOvr>
+    <a:masterClrMapping/>
+  </p:clrMapOvr>
+</p:sld>
+</file>
+
+<file path=ppt/slides/slide3.xml><?xml version="1.0" encoding="utf-8"?>
+<p:sld xmlns:a="http://schemas.openxmlformats.org/drawingml/2006/main" xmlns:r="http://schemas.openxmlformats.org/officeDocument/2006/relationships" xmlns:p="http://schemas.openxmlformats.org/presentationml/2006/main">
+  <p:cSld>
+    <p:spTree>
+      <p:nvGrpSpPr>
+        <p:cNvPr id="1" name=""/>
+        <p:cNvGrpSpPr/>
+        <p:nvPr/>
+      </p:nvGrpSpPr>
+      <p:grpSpPr>
+        <a:xfrm>
+          <a:off x="0" y="0"/>
+          <a:ext cx="0" cy="0"/>
+          <a:chOff x="0" y="0"/>
+          <a:chExt cx="0" cy="0"/>
+        </a:xfrm>
+      </p:grpSpPr>
+      <p:sp>
+        <p:nvSpPr>
+          <p:cNvPr id="13" name="TextBox 12">
+            <a:extLst>
+              <a:ext uri="{FF2B5EF4-FFF2-40B4-BE49-F238E27FC236}">
+                <a16:creationId xmlns:a16="http://schemas.microsoft.com/office/drawing/2014/main" id="{29267621-A5E0-425E-86AF-1DBC401CEF50}"/>
+              </a:ext>
+            </a:extLst>
+          </p:cNvPr>
+          <p:cNvSpPr txBox="1"/>
+          <p:nvPr/>
+        </p:nvSpPr>
+        <p:spPr>
+          <a:xfrm>
+            <a:off x="620538" y="1512367"/>
+            <a:ext cx="10950924" cy="2308324"/>
+          </a:xfrm>
+          <a:prstGeom prst="rect">
+            <a:avLst/>
+          </a:prstGeom>
+          <a:noFill/>
+        </p:spPr>
+        <p:txBody>
+          <a:bodyPr wrap="square" rtlCol="0">
+            <a:spAutoFit/>
+          </a:bodyPr>
+          <a:lstStyle/>
+          <a:p>
+            <a:pPr marL="342900" indent="-342900">
+              <a:buFont typeface="Arial" panose="020B0604020202020204" pitchFamily="34" charset="0"/>
+              <a:buChar char="•"/>
+            </a:pPr>
+            <a:r>
+              <a:rPr lang="ko-KR" altLang="en-US" sz="2400" spc="-150" dirty="0">
+                <a:solidFill>
+                  <a:srgbClr val="8DBABD"/>
+                </a:solidFill>
+                <a:latin typeface="나눔스퀘어 Bold" panose="020B0600000101010101" pitchFamily="50" charset="-127"/>
+                <a:ea typeface="나눔스퀘어 Bold" panose="020B0600000101010101" pitchFamily="50" charset="-127"/>
+              </a:rPr>
+              <a:t>보고서에는 다음이 포함되어야 합니다</a:t>
+            </a:r>
+            <a:r>
+              <a:rPr lang="en-US" altLang="ko-KR" sz="2400" spc="-150" dirty="0">
+                <a:solidFill>
+                  <a:srgbClr val="8DBABD"/>
+                </a:solidFill>
+                <a:latin typeface="나눔스퀘어 Bold" panose="020B0600000101010101" pitchFamily="50" charset="-127"/>
+                <a:ea typeface="나눔스퀘어 Bold" panose="020B0600000101010101" pitchFamily="50" charset="-127"/>
+              </a:rPr>
+              <a:t>.</a:t>
+            </a:r>
+          </a:p>
+          <a:p>
+            <a:pPr marL="800100" lvl="1" indent="-342900">
+              <a:buFont typeface="Arial" panose="020B0604020202020204" pitchFamily="34" charset="0"/>
+              <a:buChar char="•"/>
+            </a:pPr>
+            <a:r>
+              <a:rPr lang="ko-KR" altLang="en-US" sz="2400" spc="-150" dirty="0">
+                <a:solidFill>
+                  <a:srgbClr val="8DBABD"/>
+                </a:solidFill>
+                <a:latin typeface="나눔스퀘어 Bold" panose="020B0600000101010101" pitchFamily="50" charset="-127"/>
+                <a:ea typeface="나눔스퀘어 Bold" panose="020B0600000101010101" pitchFamily="50" charset="-127"/>
+              </a:rPr>
+              <a:t>게임에 대한 간단한 설명</a:t>
+            </a:r>
+            <a:endParaRPr lang="en-US" altLang="ko-KR" sz="2400" spc="-150" dirty="0">
+              <a:solidFill>
+                <a:srgbClr val="8DBABD"/>
+              </a:solidFill>
+              <a:latin typeface="나눔스퀘어 Bold" panose="020B0600000101010101" pitchFamily="50" charset="-127"/>
+              <a:ea typeface="나눔스퀘어 Bold" panose="020B0600000101010101" pitchFamily="50" charset="-127"/>
+            </a:endParaRPr>
+          </a:p>
+          <a:p>
+            <a:pPr marL="800100" lvl="1" indent="-342900">
+              <a:buFont typeface="Arial" panose="020B0604020202020204" pitchFamily="34" charset="0"/>
+              <a:buChar char="•"/>
+            </a:pPr>
+            <a:r>
+              <a:rPr lang="ko-KR" altLang="en-US" sz="2400" spc="-150" dirty="0">
+                <a:solidFill>
+                  <a:srgbClr val="8DBABD"/>
+                </a:solidFill>
+                <a:latin typeface="나눔스퀘어 Bold" panose="020B0600000101010101" pitchFamily="50" charset="-127"/>
+                <a:ea typeface="나눔스퀘어 Bold" panose="020B0600000101010101" pitchFamily="50" charset="-127"/>
+              </a:rPr>
+              <a:t>조작 방법</a:t>
+            </a:r>
+            <a:endParaRPr lang="en-US" altLang="ko-KR" sz="2400" spc="-150" dirty="0">
+              <a:solidFill>
+                <a:srgbClr val="8DBABD"/>
+              </a:solidFill>
+              <a:latin typeface="나눔스퀘어 Bold" panose="020B0600000101010101" pitchFamily="50" charset="-127"/>
+              <a:ea typeface="나눔스퀘어 Bold" panose="020B0600000101010101" pitchFamily="50" charset="-127"/>
+            </a:endParaRPr>
+          </a:p>
+          <a:p>
+            <a:pPr marL="800100" lvl="1" indent="-342900">
+              <a:buFont typeface="Arial" panose="020B0604020202020204" pitchFamily="34" charset="0"/>
+              <a:buChar char="•"/>
+            </a:pPr>
+            <a:r>
+              <a:rPr lang="ko-KR" altLang="en-US" sz="2400" spc="-150" dirty="0">
+                <a:solidFill>
+                  <a:srgbClr val="8DBABD"/>
+                </a:solidFill>
+                <a:latin typeface="나눔스퀘어 Bold" panose="020B0600000101010101" pitchFamily="50" charset="-127"/>
+                <a:ea typeface="나눔스퀘어 Bold" panose="020B0600000101010101" pitchFamily="50" charset="-127"/>
+              </a:rPr>
+              <a:t>사용한 모든 </a:t>
+            </a:r>
+            <a:r>
+              <a:rPr lang="ko-KR" altLang="en-US" sz="2400" spc="-150" dirty="0" err="1">
+                <a:solidFill>
+                  <a:srgbClr val="8DBABD"/>
+                </a:solidFill>
+                <a:latin typeface="나눔스퀘어 Bold" panose="020B0600000101010101" pitchFamily="50" charset="-127"/>
+                <a:ea typeface="나눔스퀘어 Bold" panose="020B0600000101010101" pitchFamily="50" charset="-127"/>
+              </a:rPr>
+              <a:t>에셋</a:t>
+            </a:r>
+            <a:endParaRPr lang="en-US" altLang="ko-KR" sz="2400" spc="-150" dirty="0">
+              <a:solidFill>
+                <a:srgbClr val="8DBABD"/>
+              </a:solidFill>
+              <a:latin typeface="나눔스퀘어 Bold" panose="020B0600000101010101" pitchFamily="50" charset="-127"/>
+              <a:ea typeface="나눔스퀘어 Bold" panose="020B0600000101010101" pitchFamily="50" charset="-127"/>
+            </a:endParaRPr>
+          </a:p>
+          <a:p>
+            <a:pPr marL="342900" indent="-342900">
+              <a:buFont typeface="Arial" panose="020B0604020202020204" pitchFamily="34" charset="0"/>
+              <a:buChar char="•"/>
+            </a:pPr>
+            <a:endParaRPr lang="en-US" altLang="ko-KR" sz="2400" spc="-150" dirty="0">
+              <a:solidFill>
+                <a:srgbClr val="8DBABD"/>
+              </a:solidFill>
+              <a:latin typeface="나눔스퀘어 Bold" panose="020B0600000101010101" pitchFamily="50" charset="-127"/>
+              <a:ea typeface="나눔스퀘어 Bold" panose="020B0600000101010101" pitchFamily="50" charset="-127"/>
+            </a:endParaRPr>
+          </a:p>
+          <a:p>
+            <a:pPr marL="342900" indent="-342900">
+              <a:buFont typeface="Arial" panose="020B0604020202020204" pitchFamily="34" charset="0"/>
+              <a:buChar char="•"/>
+            </a:pPr>
+            <a:r>
+              <a:rPr lang="ko-KR" altLang="en-US" sz="2400" spc="-150" dirty="0">
+                <a:solidFill>
+                  <a:srgbClr val="8DBABD"/>
+                </a:solidFill>
+                <a:latin typeface="나눔스퀘어 Bold" panose="020B0600000101010101" pitchFamily="50" charset="-127"/>
+                <a:ea typeface="나눔스퀘어 Bold" panose="020B0600000101010101" pitchFamily="50" charset="-127"/>
+              </a:rPr>
+              <a:t>보고서에 별도의 양식은 없으며 </a:t>
+            </a:r>
+            <a:r>
+              <a:rPr lang="en-US" altLang="ko-KR" sz="2400" spc="-150" dirty="0">
+                <a:solidFill>
+                  <a:srgbClr val="8DBABD"/>
+                </a:solidFill>
+                <a:latin typeface="나눔스퀘어 Bold" panose="020B0600000101010101" pitchFamily="50" charset="-127"/>
+                <a:ea typeface="나눔스퀘어 Bold" panose="020B0600000101010101" pitchFamily="50" charset="-127"/>
+              </a:rPr>
+              <a:t>1</a:t>
+            </a:r>
+            <a:r>
+              <a:rPr lang="ko-KR" altLang="en-US" sz="2400" spc="-150" dirty="0">
+                <a:solidFill>
+                  <a:srgbClr val="8DBABD"/>
+                </a:solidFill>
+                <a:latin typeface="나눔스퀘어 Bold" panose="020B0600000101010101" pitchFamily="50" charset="-127"/>
+                <a:ea typeface="나눔스퀘어 Bold" panose="020B0600000101010101" pitchFamily="50" charset="-127"/>
+              </a:rPr>
+              <a:t>페이지 이내로 간략하게 작성해주시면 됩니다</a:t>
+            </a:r>
+            <a:r>
+              <a:rPr lang="en-US" altLang="ko-KR" sz="2400" spc="-150" dirty="0">
+                <a:solidFill>
+                  <a:srgbClr val="8DBABD"/>
+                </a:solidFill>
+                <a:latin typeface="나눔스퀘어 Bold" panose="020B0600000101010101" pitchFamily="50" charset="-127"/>
+                <a:ea typeface="나눔스퀘어 Bold" panose="020B0600000101010101" pitchFamily="50" charset="-127"/>
+              </a:rPr>
+              <a:t>.</a:t>
+            </a:r>
+          </a:p>
+        </p:txBody>
+      </p:sp>
+      <p:cxnSp>
+        <p:nvCxnSpPr>
+          <p:cNvPr id="5" name="직선 연결선 4">
+            <a:extLst>
+              <a:ext uri="{FF2B5EF4-FFF2-40B4-BE49-F238E27FC236}">
+                <a16:creationId xmlns:a16="http://schemas.microsoft.com/office/drawing/2014/main" id="{7AE9FC3B-F61A-464E-9A4D-342E009D1B2E}"/>
+              </a:ext>
+            </a:extLst>
+          </p:cNvPr>
+          <p:cNvCxnSpPr>
+            <a:cxnSpLocks/>
+          </p:cNvCxnSpPr>
+          <p:nvPr/>
+        </p:nvCxnSpPr>
+        <p:spPr>
+          <a:xfrm>
+            <a:off x="1026522" y="989148"/>
+            <a:ext cx="2160000" cy="0"/>
+          </a:xfrm>
+          <a:prstGeom prst="line">
+            <a:avLst/>
+          </a:prstGeom>
+          <a:ln>
+            <a:solidFill>
+              <a:schemeClr val="bg1">
+                <a:lumMod val="50000"/>
+              </a:schemeClr>
+            </a:solidFill>
+          </a:ln>
+        </p:spPr>
+        <p:style>
+          <a:lnRef idx="1">
+            <a:schemeClr val="accent1"/>
+          </a:lnRef>
+          <a:fillRef idx="0">
+            <a:schemeClr val="accent1"/>
+          </a:fillRef>
+          <a:effectRef idx="0">
+            <a:schemeClr val="accent1"/>
+          </a:effectRef>
+          <a:fontRef idx="minor">
+            <a:schemeClr val="tx1"/>
+          </a:fontRef>
+        </p:style>
+      </p:cxnSp>
+      <p:sp>
+        <p:nvSpPr>
+          <p:cNvPr id="7" name="TextBox 6">
+            <a:extLst>
+              <a:ext uri="{FF2B5EF4-FFF2-40B4-BE49-F238E27FC236}">
+                <a16:creationId xmlns:a16="http://schemas.microsoft.com/office/drawing/2014/main" id="{06C64766-EB70-4690-AF28-15879E0D1CC6}"/>
+              </a:ext>
+            </a:extLst>
+          </p:cNvPr>
+          <p:cNvSpPr txBox="1"/>
+          <p:nvPr/>
+        </p:nvSpPr>
+        <p:spPr>
+          <a:xfrm>
+            <a:off x="1046562" y="437393"/>
+            <a:ext cx="2831224" cy="584775"/>
+          </a:xfrm>
+          <a:prstGeom prst="rect">
+            <a:avLst/>
+          </a:prstGeom>
+          <a:noFill/>
+        </p:spPr>
+        <p:txBody>
+          <a:bodyPr wrap="none" rtlCol="0">
+            <a:spAutoFit/>
+          </a:bodyPr>
+          <a:lstStyle/>
+          <a:p>
+            <a:r>
+              <a:rPr lang="ko-KR" altLang="en-US" sz="3200" spc="-150" dirty="0">
+                <a:solidFill>
+                  <a:srgbClr val="00002F"/>
+                </a:solidFill>
+                <a:latin typeface="나눔스퀘어 ExtraBold" panose="020B0600000101010101" pitchFamily="50" charset="-127"/>
+                <a:ea typeface="나눔스퀘어 ExtraBold" panose="020B0600000101010101" pitchFamily="50" charset="-127"/>
+              </a:rPr>
+              <a:t>제출 시 유의사항</a:t>
+            </a:r>
+          </a:p>
+        </p:txBody>
+      </p:sp>
+      <p:sp>
+        <p:nvSpPr>
+          <p:cNvPr id="9" name="TextBox 8">
+            <a:extLst>
+              <a:ext uri="{FF2B5EF4-FFF2-40B4-BE49-F238E27FC236}">
+                <a16:creationId xmlns:a16="http://schemas.microsoft.com/office/drawing/2014/main" id="{539BF789-EACC-489A-B284-C6B177E8077A}"/>
+              </a:ext>
+            </a:extLst>
+          </p:cNvPr>
+          <p:cNvSpPr txBox="1"/>
+          <p:nvPr/>
+        </p:nvSpPr>
+        <p:spPr>
+          <a:xfrm>
+            <a:off x="455532" y="498947"/>
+            <a:ext cx="614271" cy="461665"/>
+          </a:xfrm>
+          <a:prstGeom prst="rect">
+            <a:avLst/>
+          </a:prstGeom>
+          <a:noFill/>
+        </p:spPr>
+        <p:txBody>
+          <a:bodyPr wrap="none" rtlCol="0">
+            <a:spAutoFit/>
+          </a:bodyPr>
+          <a:lstStyle/>
+          <a:p>
+            <a:pPr algn="ctr"/>
+            <a:r>
+              <a:rPr lang="en-US" altLang="ko-KR" sz="2400" spc="-150" dirty="0">
+                <a:solidFill>
+                  <a:srgbClr val="00002F"/>
+                </a:solidFill>
+                <a:latin typeface="나눔스퀘어 ExtraBold" panose="020B0600000101010101" pitchFamily="50" charset="-127"/>
+                <a:ea typeface="나눔스퀘어 ExtraBold" panose="020B0600000101010101" pitchFamily="50" charset="-127"/>
+              </a:rPr>
+              <a:t>03.</a:t>
+            </a:r>
+            <a:endParaRPr lang="ko-KR" altLang="en-US" sz="2400" spc="-150" dirty="0">
+              <a:solidFill>
+                <a:srgbClr val="00002F"/>
+              </a:solidFill>
+              <a:latin typeface="나눔스퀘어 ExtraBold" panose="020B0600000101010101" pitchFamily="50" charset="-127"/>
+              <a:ea typeface="나눔스퀘어 ExtraBold" panose="020B0600000101010101" pitchFamily="50" charset="-127"/>
+            </a:endParaRPr>
+          </a:p>
+        </p:txBody>
+      </p:sp>
+      <p:cxnSp>
+        <p:nvCxnSpPr>
+          <p:cNvPr id="2" name="직선 연결선 1">
+            <a:extLst>
+              <a:ext uri="{FF2B5EF4-FFF2-40B4-BE49-F238E27FC236}">
+                <a16:creationId xmlns:a16="http://schemas.microsoft.com/office/drawing/2014/main" id="{77CBF8EA-27A0-4E26-ADC7-7A7681DBEB8E}"/>
+              </a:ext>
+            </a:extLst>
+          </p:cNvPr>
+          <p:cNvCxnSpPr>
+            <a:cxnSpLocks/>
+          </p:cNvCxnSpPr>
+          <p:nvPr/>
+        </p:nvCxnSpPr>
+        <p:spPr>
+          <a:xfrm>
+            <a:off x="10430892" y="144941"/>
+            <a:ext cx="360000" cy="0"/>
+          </a:xfrm>
+          <a:prstGeom prst="line">
+            <a:avLst/>
+          </a:prstGeom>
+          <a:ln w="44450" cap="rnd">
+            <a:solidFill>
+              <a:srgbClr val="D0CECE"/>
+            </a:solidFill>
+          </a:ln>
+          <a:effectLst>
+            <a:outerShdw blurRad="50800" dist="38100" dir="5400000" algn="t" rotWithShape="0">
+              <a:prstClr val="black">
+                <a:alpha val="40000"/>
+              </a:prstClr>
+            </a:outerShdw>
+          </a:effectLst>
+        </p:spPr>
+        <p:style>
+          <a:lnRef idx="1">
+            <a:schemeClr val="accent1"/>
+          </a:lnRef>
+          <a:fillRef idx="0">
+            <a:schemeClr val="accent1"/>
+          </a:fillRef>
+          <a:effectRef idx="0">
+            <a:schemeClr val="accent1"/>
+          </a:effectRef>
+          <a:fontRef idx="minor">
+            <a:schemeClr val="tx1"/>
+          </a:fontRef>
+        </p:style>
+      </p:cxnSp>
+      <p:cxnSp>
+        <p:nvCxnSpPr>
+          <p:cNvPr id="4" name="직선 연결선 3">
+            <a:extLst>
+              <a:ext uri="{FF2B5EF4-FFF2-40B4-BE49-F238E27FC236}">
+                <a16:creationId xmlns:a16="http://schemas.microsoft.com/office/drawing/2014/main" id="{682CF60D-D21B-44B6-8C7E-D2C32F4F1A33}"/>
+              </a:ext>
+            </a:extLst>
+          </p:cNvPr>
+          <p:cNvCxnSpPr>
+            <a:cxnSpLocks/>
+          </p:cNvCxnSpPr>
+          <p:nvPr/>
+        </p:nvCxnSpPr>
+        <p:spPr>
+          <a:xfrm>
+            <a:off x="10858459" y="144941"/>
+            <a:ext cx="360000" cy="0"/>
+          </a:xfrm>
+          <a:prstGeom prst="line">
+            <a:avLst/>
+          </a:prstGeom>
+          <a:ln w="44450" cap="rnd">
+            <a:solidFill>
+              <a:srgbClr val="D0CECE"/>
+            </a:solidFill>
+          </a:ln>
+          <a:effectLst>
+            <a:outerShdw blurRad="50800" dist="38100" dir="5400000" algn="t" rotWithShape="0">
+              <a:prstClr val="black">
+                <a:alpha val="40000"/>
+              </a:prstClr>
+            </a:outerShdw>
+          </a:effectLst>
+        </p:spPr>
+        <p:style>
+          <a:lnRef idx="1">
+            <a:schemeClr val="accent1"/>
+          </a:lnRef>
+          <a:fillRef idx="0">
+            <a:schemeClr val="accent1"/>
+          </a:fillRef>
+          <a:effectRef idx="0">
+            <a:schemeClr val="accent1"/>
+          </a:effectRef>
+          <a:fontRef idx="minor">
+            <a:schemeClr val="tx1"/>
+          </a:fontRef>
+        </p:style>
+      </p:cxnSp>
+      <p:cxnSp>
+        <p:nvCxnSpPr>
+          <p:cNvPr id="6" name="직선 연결선 5">
+            <a:extLst>
+              <a:ext uri="{FF2B5EF4-FFF2-40B4-BE49-F238E27FC236}">
+                <a16:creationId xmlns:a16="http://schemas.microsoft.com/office/drawing/2014/main" id="{CF1F623E-5667-47B2-8B2F-E6B59B7E53E4}"/>
+              </a:ext>
+            </a:extLst>
+          </p:cNvPr>
+          <p:cNvCxnSpPr>
+            <a:cxnSpLocks/>
+          </p:cNvCxnSpPr>
+          <p:nvPr/>
+        </p:nvCxnSpPr>
+        <p:spPr>
+          <a:xfrm>
+            <a:off x="11286026" y="144941"/>
+            <a:ext cx="360000" cy="0"/>
+          </a:xfrm>
+          <a:prstGeom prst="line">
+            <a:avLst/>
+          </a:prstGeom>
+          <a:ln w="44450" cap="rnd">
+            <a:solidFill>
+              <a:srgbClr val="8DBABD"/>
+            </a:solidFill>
+          </a:ln>
+          <a:effectLst>
+            <a:outerShdw blurRad="50800" dist="38100" dir="5400000" algn="t" rotWithShape="0">
+              <a:prstClr val="black">
+                <a:alpha val="40000"/>
+              </a:prstClr>
+            </a:outerShdw>
+          </a:effectLst>
+        </p:spPr>
+        <p:style>
+          <a:lnRef idx="1">
+            <a:schemeClr val="accent1"/>
+          </a:lnRef>
+          <a:fillRef idx="0">
+            <a:schemeClr val="accent1"/>
+          </a:fillRef>
+          <a:effectRef idx="0">
+            <a:schemeClr val="accent1"/>
+          </a:effectRef>
+          <a:fontRef idx="minor">
+            <a:schemeClr val="tx1"/>
+          </a:fontRef>
+        </p:style>
+      </p:cxnSp>
+      <p:cxnSp>
+        <p:nvCxnSpPr>
+          <p:cNvPr id="12" name="직선 연결선 11">
+            <a:extLst>
+              <a:ext uri="{FF2B5EF4-FFF2-40B4-BE49-F238E27FC236}">
+                <a16:creationId xmlns:a16="http://schemas.microsoft.com/office/drawing/2014/main" id="{4FA6B7F8-3FB6-4A85-8769-A626E9B80B03}"/>
+              </a:ext>
+            </a:extLst>
+          </p:cNvPr>
+          <p:cNvCxnSpPr>
+            <a:cxnSpLocks/>
+          </p:cNvCxnSpPr>
+          <p:nvPr/>
+        </p:nvCxnSpPr>
+        <p:spPr>
+          <a:xfrm>
+            <a:off x="11713592" y="144941"/>
+            <a:ext cx="360000" cy="0"/>
+          </a:xfrm>
+          <a:prstGeom prst="line">
+            <a:avLst/>
+          </a:prstGeom>
+          <a:ln w="44450" cap="rnd">
+            <a:solidFill>
+              <a:schemeClr val="bg2">
+                <a:lumMod val="90000"/>
+              </a:schemeClr>
+            </a:solidFill>
+          </a:ln>
+          <a:effectLst>
+            <a:outerShdw blurRad="50800" dist="38100" dir="5400000" algn="t" rotWithShape="0">
+              <a:prstClr val="black">
+                <a:alpha val="40000"/>
+              </a:prstClr>
+            </a:outerShdw>
+          </a:effectLst>
+        </p:spPr>
+        <p:style>
+          <a:lnRef idx="1">
+            <a:schemeClr val="accent1"/>
+          </a:lnRef>
+          <a:fillRef idx="0">
+            <a:schemeClr val="accent1"/>
+          </a:fillRef>
+          <a:effectRef idx="0">
+            <a:schemeClr val="accent1"/>
+          </a:effectRef>
+          <a:fontRef idx="minor">
+            <a:schemeClr val="tx1"/>
+          </a:fontRef>
+        </p:style>
+      </p:cxnSp>
+      <p:sp>
+        <p:nvSpPr>
+          <p:cNvPr id="16" name="TextBox 15">
+            <a:extLst>
+              <a:ext uri="{FF2B5EF4-FFF2-40B4-BE49-F238E27FC236}">
+                <a16:creationId xmlns:a16="http://schemas.microsoft.com/office/drawing/2014/main" id="{02296734-A8C1-4A1A-BE29-D3D3723F8E70}"/>
+              </a:ext>
+            </a:extLst>
+          </p:cNvPr>
+          <p:cNvSpPr txBox="1"/>
+          <p:nvPr/>
+        </p:nvSpPr>
+        <p:spPr>
+          <a:xfrm>
+            <a:off x="1069803" y="1006929"/>
+            <a:ext cx="756938" cy="369332"/>
+          </a:xfrm>
+          <a:prstGeom prst="rect">
+            <a:avLst/>
+          </a:prstGeom>
+          <a:noFill/>
+        </p:spPr>
+        <p:txBody>
+          <a:bodyPr wrap="none" rtlCol="0">
+            <a:spAutoFit/>
+          </a:bodyPr>
+          <a:lstStyle/>
+          <a:p>
+            <a:r>
+              <a:rPr lang="ko-KR" altLang="en-US" spc="-150" dirty="0">
+                <a:solidFill>
+                  <a:srgbClr val="00002F"/>
+                </a:solidFill>
+                <a:latin typeface="나눔스퀘어 ExtraBold" panose="020B0600000101010101" pitchFamily="50" charset="-127"/>
+                <a:ea typeface="나눔스퀘어 ExtraBold" panose="020B0600000101010101" pitchFamily="50" charset="-127"/>
+              </a:rPr>
+              <a:t>보고서</a:t>
+            </a:r>
+          </a:p>
+        </p:txBody>
+      </p:sp>
+    </p:spTree>
+    <p:extLst>
+      <p:ext uri="{BB962C8B-B14F-4D97-AF65-F5344CB8AC3E}">
+        <p14:creationId xmlns:p14="http://schemas.microsoft.com/office/powerpoint/2010/main" val="2452771775"/>
       </p:ext>
     </p:extLst>
   </p:cSld>
